--- a/images/token/tokens.pptx
+++ b/images/token/tokens.pptx
@@ -7,6 +7,7 @@
   <p:sldIdLst>
     <p:sldId id="256" r:id="rId2"/>
     <p:sldId id="257" r:id="rId3"/>
+    <p:sldId id="258" r:id="rId4"/>
   </p:sldIdLst>
   <p:sldSz cx="12192000" cy="6858000"/>
   <p:notesSz cx="6858000" cy="9144000"/>
@@ -105,6 +106,11 @@
       </a:defRPr>
     </a:lvl9pPr>
   </p:defaultTextStyle>
+  <p:extLst>
+    <p:ext uri="{EFAFB233-063F-42B5-8137-9DF3F51BA10A}">
+      <p15:sldGuideLst xmlns:p15="http://schemas.microsoft.com/office/powerpoint/2012/main"/>
+    </p:ext>
+  </p:extLst>
 </p:presentation>
 </file>
 
@@ -255,7 +261,7 @@
           <a:p>
             <a:fld id="{F3C2AA3E-0499-42A6-8951-06989C10B465}" type="datetimeFigureOut">
               <a:rPr lang="fr-FR" smtClean="0"/>
-              <a:t>04/04/2020</a:t>
+              <a:t>03/05/2020</a:t>
             </a:fld>
             <a:endParaRPr lang="fr-FR"/>
           </a:p>
@@ -453,7 +459,7 @@
           <a:p>
             <a:fld id="{F3C2AA3E-0499-42A6-8951-06989C10B465}" type="datetimeFigureOut">
               <a:rPr lang="fr-FR" smtClean="0"/>
-              <a:t>04/04/2020</a:t>
+              <a:t>03/05/2020</a:t>
             </a:fld>
             <a:endParaRPr lang="fr-FR"/>
           </a:p>
@@ -661,7 +667,7 @@
           <a:p>
             <a:fld id="{F3C2AA3E-0499-42A6-8951-06989C10B465}" type="datetimeFigureOut">
               <a:rPr lang="fr-FR" smtClean="0"/>
-              <a:t>04/04/2020</a:t>
+              <a:t>03/05/2020</a:t>
             </a:fld>
             <a:endParaRPr lang="fr-FR"/>
           </a:p>
@@ -859,7 +865,7 @@
           <a:p>
             <a:fld id="{F3C2AA3E-0499-42A6-8951-06989C10B465}" type="datetimeFigureOut">
               <a:rPr lang="fr-FR" smtClean="0"/>
-              <a:t>04/04/2020</a:t>
+              <a:t>03/05/2020</a:t>
             </a:fld>
             <a:endParaRPr lang="fr-FR"/>
           </a:p>
@@ -1134,7 +1140,7 @@
           <a:p>
             <a:fld id="{F3C2AA3E-0499-42A6-8951-06989C10B465}" type="datetimeFigureOut">
               <a:rPr lang="fr-FR" smtClean="0"/>
-              <a:t>04/04/2020</a:t>
+              <a:t>03/05/2020</a:t>
             </a:fld>
             <a:endParaRPr lang="fr-FR"/>
           </a:p>
@@ -1399,7 +1405,7 @@
           <a:p>
             <a:fld id="{F3C2AA3E-0499-42A6-8951-06989C10B465}" type="datetimeFigureOut">
               <a:rPr lang="fr-FR" smtClean="0"/>
-              <a:t>04/04/2020</a:t>
+              <a:t>03/05/2020</a:t>
             </a:fld>
             <a:endParaRPr lang="fr-FR"/>
           </a:p>
@@ -1811,7 +1817,7 @@
           <a:p>
             <a:fld id="{F3C2AA3E-0499-42A6-8951-06989C10B465}" type="datetimeFigureOut">
               <a:rPr lang="fr-FR" smtClean="0"/>
-              <a:t>04/04/2020</a:t>
+              <a:t>03/05/2020</a:t>
             </a:fld>
             <a:endParaRPr lang="fr-FR"/>
           </a:p>
@@ -1952,7 +1958,7 @@
           <a:p>
             <a:fld id="{F3C2AA3E-0499-42A6-8951-06989C10B465}" type="datetimeFigureOut">
               <a:rPr lang="fr-FR" smtClean="0"/>
-              <a:t>04/04/2020</a:t>
+              <a:t>03/05/2020</a:t>
             </a:fld>
             <a:endParaRPr lang="fr-FR"/>
           </a:p>
@@ -2065,7 +2071,7 @@
           <a:p>
             <a:fld id="{F3C2AA3E-0499-42A6-8951-06989C10B465}" type="datetimeFigureOut">
               <a:rPr lang="fr-FR" smtClean="0"/>
-              <a:t>04/04/2020</a:t>
+              <a:t>03/05/2020</a:t>
             </a:fld>
             <a:endParaRPr lang="fr-FR"/>
           </a:p>
@@ -2376,7 +2382,7 @@
           <a:p>
             <a:fld id="{F3C2AA3E-0499-42A6-8951-06989C10B465}" type="datetimeFigureOut">
               <a:rPr lang="fr-FR" smtClean="0"/>
-              <a:t>04/04/2020</a:t>
+              <a:t>03/05/2020</a:t>
             </a:fld>
             <a:endParaRPr lang="fr-FR"/>
           </a:p>
@@ -2664,7 +2670,7 @@
           <a:p>
             <a:fld id="{F3C2AA3E-0499-42A6-8951-06989C10B465}" type="datetimeFigureOut">
               <a:rPr lang="fr-FR" smtClean="0"/>
-              <a:t>04/04/2020</a:t>
+              <a:t>03/05/2020</a:t>
             </a:fld>
             <a:endParaRPr lang="fr-FR"/>
           </a:p>
@@ -2905,7 +2911,7 @@
           <a:p>
             <a:fld id="{F3C2AA3E-0499-42A6-8951-06989C10B465}" type="datetimeFigureOut">
               <a:rPr lang="fr-FR" smtClean="0"/>
-              <a:t>04/04/2020</a:t>
+              <a:t>03/05/2020</a:t>
             </a:fld>
             <a:endParaRPr lang="fr-FR"/>
           </a:p>
@@ -3343,10 +3349,9 @@
             <a:avLst/>
           </a:prstGeom>
           <a:solidFill>
-            <a:schemeClr val="accent1">
-              <a:lumMod val="75000"/>
-            </a:schemeClr>
+            <a:srgbClr val="00B0F0"/>
           </a:solidFill>
+          <a:ln w="57150"/>
           <a:effectLst>
             <a:glow rad="101600">
               <a:schemeClr val="accent5">
@@ -3385,7 +3390,25 @@
           <a:p>
             <a:pPr algn="ctr"/>
             <a:r>
-              <a:rPr lang="fr-FR" sz="41300" dirty="0"/>
+              <a:rPr lang="fr-FR" sz="41300" b="1" dirty="0">
+                <a:ln w="9525">
+                  <a:solidFill>
+                    <a:schemeClr val="bg1"/>
+                  </a:solidFill>
+                  <a:prstDash val="solid"/>
+                </a:ln>
+                <a:solidFill>
+                  <a:schemeClr val="bg1"/>
+                </a:solidFill>
+                <a:effectLst>
+                  <a:outerShdw blurRad="12700" dist="38100" dir="2700000" algn="tl" rotWithShape="0">
+                    <a:schemeClr val="bg1">
+                      <a:lumMod val="50000"/>
+                    </a:schemeClr>
+                  </a:outerShdw>
+                </a:effectLst>
+                <a:latin typeface="Palatino Linotype" panose="02040502050505030304" pitchFamily="18" charset="0"/>
+              </a:rPr>
               <a:t>?</a:t>
             </a:r>
           </a:p>
@@ -3444,6 +3467,7 @@
           <a:solidFill>
             <a:srgbClr val="C00000"/>
           </a:solidFill>
+          <a:ln w="76200"/>
           <a:effectLst>
             <a:glow rad="101600">
               <a:schemeClr val="accent2">
@@ -3482,7 +3506,25 @@
           <a:p>
             <a:pPr algn="ctr"/>
             <a:r>
-              <a:rPr lang="fr-FR" sz="41300" dirty="0"/>
+              <a:rPr lang="fr-FR" sz="41300" b="1" dirty="0">
+                <a:ln w="9525">
+                  <a:solidFill>
+                    <a:schemeClr val="bg1"/>
+                  </a:solidFill>
+                  <a:prstDash val="solid"/>
+                </a:ln>
+                <a:solidFill>
+                  <a:schemeClr val="bg1"/>
+                </a:solidFill>
+                <a:effectLst>
+                  <a:outerShdw blurRad="12700" dist="38100" dir="2700000" algn="tl" rotWithShape="0">
+                    <a:schemeClr val="bg1">
+                      <a:lumMod val="50000"/>
+                    </a:schemeClr>
+                  </a:outerShdw>
+                </a:effectLst>
+                <a:latin typeface="Palatino Linotype" panose="02040502050505030304" pitchFamily="18" charset="0"/>
+              </a:rPr>
               <a:t>!</a:t>
             </a:r>
           </a:p>
@@ -3492,6 +3534,690 @@
     <p:extLst>
       <p:ext uri="{BB962C8B-B14F-4D97-AF65-F5344CB8AC3E}">
         <p14:creationId xmlns:p14="http://schemas.microsoft.com/office/powerpoint/2010/main" val="1577249237"/>
+      </p:ext>
+    </p:extLst>
+  </p:cSld>
+  <p:clrMapOvr>
+    <a:masterClrMapping/>
+  </p:clrMapOvr>
+</p:sld>
+</file>
+
+<file path=ppt/slides/slide3.xml><?xml version="1.0" encoding="utf-8"?>
+<p:sld xmlns:a="http://schemas.openxmlformats.org/drawingml/2006/main" xmlns:r="http://schemas.openxmlformats.org/officeDocument/2006/relationships" xmlns:p="http://schemas.openxmlformats.org/presentationml/2006/main">
+  <p:cSld>
+    <p:spTree>
+      <p:nvGrpSpPr>
+        <p:cNvPr id="1" name=""/>
+        <p:cNvGrpSpPr/>
+        <p:nvPr/>
+      </p:nvGrpSpPr>
+      <p:grpSpPr>
+        <a:xfrm>
+          <a:off x="0" y="0"/>
+          <a:ext cx="0" cy="0"/>
+          <a:chOff x="0" y="0"/>
+          <a:chExt cx="0" cy="0"/>
+        </a:xfrm>
+      </p:grpSpPr>
+      <p:sp>
+        <p:nvSpPr>
+          <p:cNvPr id="3" name="Rectangle 2">
+            <a:extLst>
+              <a:ext uri="{FF2B5EF4-FFF2-40B4-BE49-F238E27FC236}">
+                <a16:creationId xmlns:a16="http://schemas.microsoft.com/office/drawing/2014/main" id="{90459362-D3AC-4883-B69C-CFCAB08C2715}"/>
+              </a:ext>
+            </a:extLst>
+          </p:cNvPr>
+          <p:cNvSpPr/>
+          <p:nvPr/>
+        </p:nvSpPr>
+        <p:spPr>
+          <a:xfrm>
+            <a:off x="311283" y="262259"/>
+            <a:ext cx="987448" cy="931227"/>
+          </a:xfrm>
+          <a:prstGeom prst="rect">
+            <a:avLst/>
+          </a:prstGeom>
+          <a:solidFill>
+            <a:srgbClr val="EBCE1D"/>
+          </a:solidFill>
+        </p:spPr>
+        <p:style>
+          <a:lnRef idx="2">
+            <a:schemeClr val="accent1">
+              <a:shade val="50000"/>
+            </a:schemeClr>
+          </a:lnRef>
+          <a:fillRef idx="1">
+            <a:schemeClr val="accent1"/>
+          </a:fillRef>
+          <a:effectRef idx="0">
+            <a:schemeClr val="accent1"/>
+          </a:effectRef>
+          <a:fontRef idx="minor">
+            <a:schemeClr val="lt1"/>
+          </a:fontRef>
+        </p:style>
+        <p:txBody>
+          <a:bodyPr rtlCol="0" anchor="ctr"/>
+          <a:lstStyle/>
+          <a:p>
+            <a:pPr algn="ctr"/>
+            <a:endParaRPr lang="fr-FR" sz="6600" b="1" dirty="0">
+              <a:effectLst>
+                <a:outerShdw blurRad="38100" dist="38100" dir="2700000" algn="tl">
+                  <a:srgbClr val="000000">
+                    <a:alpha val="43137"/>
+                  </a:srgbClr>
+                </a:outerShdw>
+              </a:effectLst>
+              <a:latin typeface="Segoe Print" panose="02000600000000000000" pitchFamily="2" charset="0"/>
+            </a:endParaRPr>
+          </a:p>
+        </p:txBody>
+      </p:sp>
+      <p:sp>
+        <p:nvSpPr>
+          <p:cNvPr id="6" name="Ellipse 5">
+            <a:extLst>
+              <a:ext uri="{FF2B5EF4-FFF2-40B4-BE49-F238E27FC236}">
+                <a16:creationId xmlns:a16="http://schemas.microsoft.com/office/drawing/2014/main" id="{181FA102-DF8E-45A5-9418-DEB3675136A4}"/>
+              </a:ext>
+            </a:extLst>
+          </p:cNvPr>
+          <p:cNvSpPr/>
+          <p:nvPr/>
+        </p:nvSpPr>
+        <p:spPr>
+          <a:xfrm>
+            <a:off x="263660" y="1416477"/>
+            <a:ext cx="1082695" cy="1035012"/>
+          </a:xfrm>
+          <a:prstGeom prst="ellipse">
+            <a:avLst/>
+          </a:prstGeom>
+          <a:solidFill>
+            <a:srgbClr val="EC261C"/>
+          </a:solidFill>
+        </p:spPr>
+        <p:style>
+          <a:lnRef idx="2">
+            <a:schemeClr val="accent1">
+              <a:shade val="50000"/>
+            </a:schemeClr>
+          </a:lnRef>
+          <a:fillRef idx="1">
+            <a:schemeClr val="accent1"/>
+          </a:fillRef>
+          <a:effectRef idx="0">
+            <a:schemeClr val="accent1"/>
+          </a:effectRef>
+          <a:fontRef idx="minor">
+            <a:schemeClr val="lt1"/>
+          </a:fontRef>
+        </p:style>
+        <p:txBody>
+          <a:bodyPr rtlCol="0" anchor="ctr" anchorCtr="0"/>
+          <a:lstStyle/>
+          <a:p>
+            <a:pPr algn="ctr"/>
+            <a:endParaRPr lang="fr-FR" sz="3200" b="1" dirty="0">
+              <a:effectLst>
+                <a:outerShdw blurRad="38100" dist="38100" dir="2700000" algn="tl">
+                  <a:srgbClr val="000000">
+                    <a:alpha val="43137"/>
+                  </a:srgbClr>
+                </a:outerShdw>
+              </a:effectLst>
+              <a:latin typeface="Segoe Print" panose="02000600000000000000" pitchFamily="2" charset="0"/>
+            </a:endParaRPr>
+          </a:p>
+        </p:txBody>
+      </p:sp>
+      <p:sp>
+        <p:nvSpPr>
+          <p:cNvPr id="7" name="Triangle isocèle 6">
+            <a:extLst>
+              <a:ext uri="{FF2B5EF4-FFF2-40B4-BE49-F238E27FC236}">
+                <a16:creationId xmlns:a16="http://schemas.microsoft.com/office/drawing/2014/main" id="{610670CB-FE05-4D4E-AE44-91C1467365BD}"/>
+              </a:ext>
+            </a:extLst>
+          </p:cNvPr>
+          <p:cNvSpPr/>
+          <p:nvPr/>
+        </p:nvSpPr>
+        <p:spPr>
+          <a:xfrm>
+            <a:off x="263660" y="2588927"/>
+            <a:ext cx="1196084" cy="1035012"/>
+          </a:xfrm>
+          <a:prstGeom prst="triangle">
+            <a:avLst/>
+          </a:prstGeom>
+          <a:solidFill>
+            <a:srgbClr val="7EAD5B"/>
+          </a:solidFill>
+        </p:spPr>
+        <p:style>
+          <a:lnRef idx="2">
+            <a:schemeClr val="accent1">
+              <a:shade val="50000"/>
+            </a:schemeClr>
+          </a:lnRef>
+          <a:fillRef idx="1">
+            <a:schemeClr val="accent1"/>
+          </a:fillRef>
+          <a:effectRef idx="0">
+            <a:schemeClr val="accent1"/>
+          </a:effectRef>
+          <a:fontRef idx="minor">
+            <a:schemeClr val="lt1"/>
+          </a:fontRef>
+        </p:style>
+        <p:txBody>
+          <a:bodyPr rtlCol="0" anchor="ctr"/>
+          <a:lstStyle/>
+          <a:p>
+            <a:pPr algn="ctr"/>
+            <a:endParaRPr lang="fr-FR" sz="6600" b="1" dirty="0">
+              <a:effectLst>
+                <a:outerShdw blurRad="38100" dist="38100" dir="2700000" algn="tl">
+                  <a:srgbClr val="000000">
+                    <a:alpha val="43137"/>
+                  </a:srgbClr>
+                </a:outerShdw>
+              </a:effectLst>
+              <a:latin typeface="Segoe Print" panose="02000600000000000000" pitchFamily="2" charset="0"/>
+            </a:endParaRPr>
+          </a:p>
+        </p:txBody>
+      </p:sp>
+      <p:sp>
+        <p:nvSpPr>
+          <p:cNvPr id="8" name="Étoile : 5 branches 7">
+            <a:extLst>
+              <a:ext uri="{FF2B5EF4-FFF2-40B4-BE49-F238E27FC236}">
+                <a16:creationId xmlns:a16="http://schemas.microsoft.com/office/drawing/2014/main" id="{C44566FC-E890-4120-B24A-50D74FB8ECFA}"/>
+              </a:ext>
+            </a:extLst>
+          </p:cNvPr>
+          <p:cNvSpPr/>
+          <p:nvPr/>
+        </p:nvSpPr>
+        <p:spPr>
+          <a:xfrm>
+            <a:off x="263660" y="3946497"/>
+            <a:ext cx="1196084" cy="1035012"/>
+          </a:xfrm>
+          <a:prstGeom prst="star5">
+            <a:avLst/>
+          </a:prstGeom>
+          <a:solidFill>
+            <a:schemeClr val="bg1"/>
+          </a:solidFill>
+        </p:spPr>
+        <p:style>
+          <a:lnRef idx="2">
+            <a:schemeClr val="accent1">
+              <a:shade val="50000"/>
+            </a:schemeClr>
+          </a:lnRef>
+          <a:fillRef idx="1">
+            <a:schemeClr val="accent1"/>
+          </a:fillRef>
+          <a:effectRef idx="0">
+            <a:schemeClr val="accent1"/>
+          </a:effectRef>
+          <a:fontRef idx="minor">
+            <a:schemeClr val="lt1"/>
+          </a:fontRef>
+        </p:style>
+        <p:txBody>
+          <a:bodyPr rtlCol="0" anchor="ctr"/>
+          <a:lstStyle/>
+          <a:p>
+            <a:pPr algn="ctr"/>
+            <a:endParaRPr lang="fr-FR" sz="6600" b="1" dirty="0">
+              <a:ln w="22225">
+                <a:solidFill>
+                  <a:schemeClr val="tx1"/>
+                </a:solidFill>
+                <a:prstDash val="solid"/>
+              </a:ln>
+              <a:solidFill>
+                <a:schemeClr val="bg1"/>
+              </a:solidFill>
+              <a:effectLst>
+                <a:outerShdw blurRad="38100" dist="38100" dir="2700000" algn="tl">
+                  <a:srgbClr val="000000">
+                    <a:alpha val="43137"/>
+                  </a:srgbClr>
+                </a:outerShdw>
+              </a:effectLst>
+              <a:latin typeface="Segoe Print" panose="02000600000000000000" pitchFamily="2" charset="0"/>
+            </a:endParaRPr>
+          </a:p>
+        </p:txBody>
+      </p:sp>
+      <p:sp>
+        <p:nvSpPr>
+          <p:cNvPr id="9" name="Losange 8">
+            <a:extLst>
+              <a:ext uri="{FF2B5EF4-FFF2-40B4-BE49-F238E27FC236}">
+                <a16:creationId xmlns:a16="http://schemas.microsoft.com/office/drawing/2014/main" id="{430C7BD8-6CE8-4565-B8A8-122206AACBFD}"/>
+              </a:ext>
+            </a:extLst>
+          </p:cNvPr>
+          <p:cNvSpPr/>
+          <p:nvPr/>
+        </p:nvSpPr>
+        <p:spPr>
+          <a:xfrm>
+            <a:off x="263660" y="5292849"/>
+            <a:ext cx="1196084" cy="1239644"/>
+          </a:xfrm>
+          <a:prstGeom prst="diamond">
+            <a:avLst/>
+          </a:prstGeom>
+          <a:solidFill>
+            <a:srgbClr val="2FD2FF"/>
+          </a:solidFill>
+        </p:spPr>
+        <p:style>
+          <a:lnRef idx="2">
+            <a:schemeClr val="accent1">
+              <a:shade val="50000"/>
+            </a:schemeClr>
+          </a:lnRef>
+          <a:fillRef idx="1">
+            <a:schemeClr val="accent1"/>
+          </a:fillRef>
+          <a:effectRef idx="0">
+            <a:schemeClr val="accent1"/>
+          </a:effectRef>
+          <a:fontRef idx="minor">
+            <a:schemeClr val="lt1"/>
+          </a:fontRef>
+        </p:style>
+        <p:txBody>
+          <a:bodyPr rtlCol="0" anchor="ctr"/>
+          <a:lstStyle/>
+          <a:p>
+            <a:pPr algn="ctr"/>
+            <a:endParaRPr lang="fr-FR" sz="6600" b="1" dirty="0">
+              <a:effectLst>
+                <a:outerShdw blurRad="38100" dist="38100" dir="2700000" algn="tl">
+                  <a:srgbClr val="000000">
+                    <a:alpha val="43137"/>
+                  </a:srgbClr>
+                </a:outerShdw>
+              </a:effectLst>
+              <a:latin typeface="Segoe Print" panose="02000600000000000000" pitchFamily="2" charset="0"/>
+            </a:endParaRPr>
+          </a:p>
+        </p:txBody>
+      </p:sp>
+      <p:sp>
+        <p:nvSpPr>
+          <p:cNvPr id="10" name="Étoile : 5 branches 9">
+            <a:extLst>
+              <a:ext uri="{FF2B5EF4-FFF2-40B4-BE49-F238E27FC236}">
+                <a16:creationId xmlns:a16="http://schemas.microsoft.com/office/drawing/2014/main" id="{ECB643BB-9725-4F0E-A907-B41CD85D9E98}"/>
+              </a:ext>
+            </a:extLst>
+          </p:cNvPr>
+          <p:cNvSpPr/>
+          <p:nvPr/>
+        </p:nvSpPr>
+        <p:spPr>
+          <a:xfrm>
+            <a:off x="1907335" y="210367"/>
+            <a:ext cx="1196084" cy="1035012"/>
+          </a:xfrm>
+          <a:prstGeom prst="star5">
+            <a:avLst/>
+          </a:prstGeom>
+          <a:noFill/>
+          <a:ln>
+            <a:noFill/>
+          </a:ln>
+        </p:spPr>
+        <p:style>
+          <a:lnRef idx="2">
+            <a:schemeClr val="accent1">
+              <a:shade val="50000"/>
+            </a:schemeClr>
+          </a:lnRef>
+          <a:fillRef idx="1">
+            <a:schemeClr val="accent1"/>
+          </a:fillRef>
+          <a:effectRef idx="0">
+            <a:schemeClr val="accent1"/>
+          </a:effectRef>
+          <a:fontRef idx="minor">
+            <a:schemeClr val="lt1"/>
+          </a:fontRef>
+        </p:style>
+        <p:txBody>
+          <a:bodyPr rtlCol="0" anchor="ctr"/>
+          <a:lstStyle/>
+          <a:p>
+            <a:pPr algn="ctr"/>
+            <a:r>
+              <a:rPr lang="fr-FR" sz="6600" b="1" dirty="0">
+                <a:ln w="22225">
+                  <a:solidFill>
+                    <a:schemeClr val="tx1"/>
+                  </a:solidFill>
+                  <a:prstDash val="solid"/>
+                </a:ln>
+                <a:solidFill>
+                  <a:schemeClr val="bg1"/>
+                </a:solidFill>
+                <a:effectLst>
+                  <a:outerShdw blurRad="38100" dist="38100" dir="2700000" algn="tl">
+                    <a:srgbClr val="000000">
+                      <a:alpha val="43137"/>
+                    </a:srgbClr>
+                  </a:outerShdw>
+                </a:effectLst>
+                <a:latin typeface="Segoe Print" panose="02000600000000000000" pitchFamily="2" charset="0"/>
+              </a:rPr>
+              <a:t>1</a:t>
+            </a:r>
+          </a:p>
+        </p:txBody>
+      </p:sp>
+      <p:sp>
+        <p:nvSpPr>
+          <p:cNvPr id="11" name="Étoile : 5 branches 10">
+            <a:extLst>
+              <a:ext uri="{FF2B5EF4-FFF2-40B4-BE49-F238E27FC236}">
+                <a16:creationId xmlns:a16="http://schemas.microsoft.com/office/drawing/2014/main" id="{9DADD3DB-6FE7-4455-848B-C5D8366E2788}"/>
+              </a:ext>
+            </a:extLst>
+          </p:cNvPr>
+          <p:cNvSpPr/>
+          <p:nvPr/>
+        </p:nvSpPr>
+        <p:spPr>
+          <a:xfrm>
+            <a:off x="2003637" y="1574487"/>
+            <a:ext cx="1196084" cy="1035012"/>
+          </a:xfrm>
+          <a:prstGeom prst="star5">
+            <a:avLst/>
+          </a:prstGeom>
+          <a:noFill/>
+          <a:ln>
+            <a:noFill/>
+          </a:ln>
+        </p:spPr>
+        <p:style>
+          <a:lnRef idx="2">
+            <a:schemeClr val="accent1">
+              <a:shade val="50000"/>
+            </a:schemeClr>
+          </a:lnRef>
+          <a:fillRef idx="1">
+            <a:schemeClr val="accent1"/>
+          </a:fillRef>
+          <a:effectRef idx="0">
+            <a:schemeClr val="accent1"/>
+          </a:effectRef>
+          <a:fontRef idx="minor">
+            <a:schemeClr val="lt1"/>
+          </a:fontRef>
+        </p:style>
+        <p:txBody>
+          <a:bodyPr rtlCol="0" anchor="ctr"/>
+          <a:lstStyle/>
+          <a:p>
+            <a:pPr algn="ctr"/>
+            <a:r>
+              <a:rPr lang="fr-FR" sz="6600" b="1" dirty="0">
+                <a:ln w="22225">
+                  <a:solidFill>
+                    <a:schemeClr val="tx1"/>
+                  </a:solidFill>
+                  <a:prstDash val="solid"/>
+                </a:ln>
+                <a:solidFill>
+                  <a:schemeClr val="bg1"/>
+                </a:solidFill>
+                <a:effectLst>
+                  <a:outerShdw blurRad="38100" dist="38100" dir="2700000" algn="tl">
+                    <a:srgbClr val="000000">
+                      <a:alpha val="43137"/>
+                    </a:srgbClr>
+                  </a:outerShdw>
+                </a:effectLst>
+                <a:latin typeface="Segoe Print" panose="02000600000000000000" pitchFamily="2" charset="0"/>
+              </a:rPr>
+              <a:t>2</a:t>
+            </a:r>
+          </a:p>
+        </p:txBody>
+      </p:sp>
+      <p:sp>
+        <p:nvSpPr>
+          <p:cNvPr id="12" name="Étoile : 5 branches 11">
+            <a:extLst>
+              <a:ext uri="{FF2B5EF4-FFF2-40B4-BE49-F238E27FC236}">
+                <a16:creationId xmlns:a16="http://schemas.microsoft.com/office/drawing/2014/main" id="{A5D8AAFD-EC11-4B8B-9284-92282FB8CF1C}"/>
+              </a:ext>
+            </a:extLst>
+          </p:cNvPr>
+          <p:cNvSpPr/>
+          <p:nvPr/>
+        </p:nvSpPr>
+        <p:spPr>
+          <a:xfrm>
+            <a:off x="2059735" y="5395165"/>
+            <a:ext cx="1196084" cy="1035012"/>
+          </a:xfrm>
+          <a:prstGeom prst="star5">
+            <a:avLst/>
+          </a:prstGeom>
+          <a:noFill/>
+          <a:ln>
+            <a:noFill/>
+          </a:ln>
+        </p:spPr>
+        <p:style>
+          <a:lnRef idx="2">
+            <a:schemeClr val="accent1">
+              <a:shade val="50000"/>
+            </a:schemeClr>
+          </a:lnRef>
+          <a:fillRef idx="1">
+            <a:schemeClr val="accent1"/>
+          </a:fillRef>
+          <a:effectRef idx="0">
+            <a:schemeClr val="accent1"/>
+          </a:effectRef>
+          <a:fontRef idx="minor">
+            <a:schemeClr val="lt1"/>
+          </a:fontRef>
+        </p:style>
+        <p:txBody>
+          <a:bodyPr rtlCol="0" anchor="ctr"/>
+          <a:lstStyle/>
+          <a:p>
+            <a:pPr algn="ctr"/>
+            <a:r>
+              <a:rPr lang="fr-FR" sz="6600" b="1" dirty="0">
+                <a:ln w="22225">
+                  <a:solidFill>
+                    <a:schemeClr val="tx1"/>
+                  </a:solidFill>
+                  <a:prstDash val="solid"/>
+                </a:ln>
+                <a:solidFill>
+                  <a:schemeClr val="bg1"/>
+                </a:solidFill>
+                <a:effectLst>
+                  <a:outerShdw blurRad="38100" dist="38100" dir="2700000" algn="tl">
+                    <a:srgbClr val="000000">
+                      <a:alpha val="43137"/>
+                    </a:srgbClr>
+                  </a:outerShdw>
+                </a:effectLst>
+                <a:latin typeface="Segoe Print" panose="02000600000000000000" pitchFamily="2" charset="0"/>
+              </a:rPr>
+              <a:t>5</a:t>
+            </a:r>
+          </a:p>
+        </p:txBody>
+      </p:sp>
+      <p:sp>
+        <p:nvSpPr>
+          <p:cNvPr id="13" name="Étoile : 5 branches 12">
+            <a:extLst>
+              <a:ext uri="{FF2B5EF4-FFF2-40B4-BE49-F238E27FC236}">
+                <a16:creationId xmlns:a16="http://schemas.microsoft.com/office/drawing/2014/main" id="{A9D74264-7E03-4EE8-BB5A-79F02F868BC8}"/>
+              </a:ext>
+            </a:extLst>
+          </p:cNvPr>
+          <p:cNvSpPr/>
+          <p:nvPr/>
+        </p:nvSpPr>
+        <p:spPr>
+          <a:xfrm>
+            <a:off x="2059735" y="3946497"/>
+            <a:ext cx="1196084" cy="1035012"/>
+          </a:xfrm>
+          <a:prstGeom prst="star5">
+            <a:avLst/>
+          </a:prstGeom>
+          <a:noFill/>
+          <a:ln>
+            <a:noFill/>
+          </a:ln>
+        </p:spPr>
+        <p:style>
+          <a:lnRef idx="2">
+            <a:schemeClr val="accent1">
+              <a:shade val="50000"/>
+            </a:schemeClr>
+          </a:lnRef>
+          <a:fillRef idx="1">
+            <a:schemeClr val="accent1"/>
+          </a:fillRef>
+          <a:effectRef idx="0">
+            <a:schemeClr val="accent1"/>
+          </a:effectRef>
+          <a:fontRef idx="minor">
+            <a:schemeClr val="lt1"/>
+          </a:fontRef>
+        </p:style>
+        <p:txBody>
+          <a:bodyPr rtlCol="0" anchor="ctr"/>
+          <a:lstStyle/>
+          <a:p>
+            <a:pPr algn="ctr"/>
+            <a:r>
+              <a:rPr lang="fr-FR" sz="6600" b="1" dirty="0">
+                <a:ln w="22225">
+                  <a:solidFill>
+                    <a:schemeClr val="tx1"/>
+                  </a:solidFill>
+                  <a:prstDash val="solid"/>
+                </a:ln>
+                <a:solidFill>
+                  <a:schemeClr val="bg1"/>
+                </a:solidFill>
+                <a:effectLst>
+                  <a:outerShdw blurRad="38100" dist="38100" dir="2700000" algn="tl">
+                    <a:srgbClr val="000000">
+                      <a:alpha val="43137"/>
+                    </a:srgbClr>
+                  </a:outerShdw>
+                </a:effectLst>
+                <a:latin typeface="Segoe Print" panose="02000600000000000000" pitchFamily="2" charset="0"/>
+              </a:rPr>
+              <a:t>4</a:t>
+            </a:r>
+          </a:p>
+        </p:txBody>
+      </p:sp>
+      <p:sp>
+        <p:nvSpPr>
+          <p:cNvPr id="14" name="Étoile : 5 branches 13">
+            <a:extLst>
+              <a:ext uri="{FF2B5EF4-FFF2-40B4-BE49-F238E27FC236}">
+                <a16:creationId xmlns:a16="http://schemas.microsoft.com/office/drawing/2014/main" id="{404F7953-B8EE-40E7-A463-9B025FB260E3}"/>
+              </a:ext>
+            </a:extLst>
+          </p:cNvPr>
+          <p:cNvSpPr/>
+          <p:nvPr/>
+        </p:nvSpPr>
+        <p:spPr>
+          <a:xfrm>
+            <a:off x="2003637" y="2838566"/>
+            <a:ext cx="1196084" cy="1035012"/>
+          </a:xfrm>
+          <a:prstGeom prst="star5">
+            <a:avLst/>
+          </a:prstGeom>
+          <a:noFill/>
+          <a:ln>
+            <a:noFill/>
+          </a:ln>
+        </p:spPr>
+        <p:style>
+          <a:lnRef idx="2">
+            <a:schemeClr val="accent1">
+              <a:shade val="50000"/>
+            </a:schemeClr>
+          </a:lnRef>
+          <a:fillRef idx="1">
+            <a:schemeClr val="accent1"/>
+          </a:fillRef>
+          <a:effectRef idx="0">
+            <a:schemeClr val="accent1"/>
+          </a:effectRef>
+          <a:fontRef idx="minor">
+            <a:schemeClr val="lt1"/>
+          </a:fontRef>
+        </p:style>
+        <p:txBody>
+          <a:bodyPr rtlCol="0" anchor="ctr"/>
+          <a:lstStyle/>
+          <a:p>
+            <a:pPr algn="ctr"/>
+            <a:r>
+              <a:rPr lang="fr-FR" sz="6600" b="1" dirty="0">
+                <a:ln w="22225">
+                  <a:solidFill>
+                    <a:schemeClr val="tx1"/>
+                  </a:solidFill>
+                  <a:prstDash val="solid"/>
+                </a:ln>
+                <a:solidFill>
+                  <a:schemeClr val="bg1"/>
+                </a:solidFill>
+                <a:effectLst>
+                  <a:outerShdw blurRad="38100" dist="38100" dir="2700000" algn="tl">
+                    <a:srgbClr val="000000">
+                      <a:alpha val="43137"/>
+                    </a:srgbClr>
+                  </a:outerShdw>
+                </a:effectLst>
+                <a:latin typeface="Segoe Print" panose="02000600000000000000" pitchFamily="2" charset="0"/>
+              </a:rPr>
+              <a:t>3</a:t>
+            </a:r>
+          </a:p>
+        </p:txBody>
+      </p:sp>
+    </p:spTree>
+    <p:extLst>
+      <p:ext uri="{BB962C8B-B14F-4D97-AF65-F5344CB8AC3E}">
+        <p14:creationId xmlns:p14="http://schemas.microsoft.com/office/powerpoint/2010/main" val="1530575968"/>
       </p:ext>
     </p:extLst>
   </p:cSld>
